--- a/ppt 16-9/0621.赞美诗歌唱不完.pptx
+++ b/ppt 16-9/0621.赞美诗歌唱不完.pptx
@@ -129,7 +129,7 @@
           <p:cNvPr id="2" name="标题 1">
             <a:extLst>
               <a:ext uri="{FF2B5EF4-FFF2-40B4-BE49-F238E27FC236}">
-                <a16:creationId xmlns:a16="http://schemas.microsoft.com/office/drawing/2014/main" id="{A2AC4F90-3D9A-22ED-CC80-1A5A795F5AB4}"/>
+                <a16:creationId xmlns:a16="http://schemas.microsoft.com/office/drawing/2014/main" id="{209EF1D2-EB76-470D-EA4B-0FFFCC917EB7}"/>
               </a:ext>
             </a:extLst>
           </p:cNvPr>
@@ -166,7 +166,7 @@
           <p:cNvPr id="3" name="副标题 2">
             <a:extLst>
               <a:ext uri="{FF2B5EF4-FFF2-40B4-BE49-F238E27FC236}">
-                <a16:creationId xmlns:a16="http://schemas.microsoft.com/office/drawing/2014/main" id="{2B326207-EA1B-7901-541D-8B1AA6DCD197}"/>
+                <a16:creationId xmlns:a16="http://schemas.microsoft.com/office/drawing/2014/main" id="{7E8619D9-2C99-82A6-286B-B81ABDA4BC20}"/>
               </a:ext>
             </a:extLst>
           </p:cNvPr>
@@ -236,7 +236,7 @@
           <p:cNvPr id="4" name="日期占位符 3">
             <a:extLst>
               <a:ext uri="{FF2B5EF4-FFF2-40B4-BE49-F238E27FC236}">
-                <a16:creationId xmlns:a16="http://schemas.microsoft.com/office/drawing/2014/main" id="{29129E1A-F830-1B3B-E36C-8DDD5967BDCE}"/>
+                <a16:creationId xmlns:a16="http://schemas.microsoft.com/office/drawing/2014/main" id="{E52D8047-139F-1AE2-56D4-D519163F6B4B}"/>
               </a:ext>
             </a:extLst>
           </p:cNvPr>
@@ -252,7 +252,7 @@
           <a:bodyPr/>
           <a:lstStyle/>
           <a:p>
-            <a:fld id="{38CA757C-F0C0-4F23-94D8-533F71DD63A2}" type="datetimeFigureOut">
+            <a:fld id="{41DD7ACB-DAE6-4EF2-A6DE-C5B4F8E26130}" type="datetimeFigureOut">
               <a:rPr lang="zh-CN" altLang="en-US" smtClean="0"/>
               <a:t>2024/3/10</a:t>
             </a:fld>
@@ -265,7 +265,7 @@
           <p:cNvPr id="5" name="页脚占位符 4">
             <a:extLst>
               <a:ext uri="{FF2B5EF4-FFF2-40B4-BE49-F238E27FC236}">
-                <a16:creationId xmlns:a16="http://schemas.microsoft.com/office/drawing/2014/main" id="{457A7476-AB21-3BE2-FF28-A779BA3EFAD3}"/>
+                <a16:creationId xmlns:a16="http://schemas.microsoft.com/office/drawing/2014/main" id="{8253EDAE-BA8F-BF2D-081B-6324943A7E74}"/>
               </a:ext>
             </a:extLst>
           </p:cNvPr>
@@ -290,7 +290,7 @@
           <p:cNvPr id="6" name="灯片编号占位符 5">
             <a:extLst>
               <a:ext uri="{FF2B5EF4-FFF2-40B4-BE49-F238E27FC236}">
-                <a16:creationId xmlns:a16="http://schemas.microsoft.com/office/drawing/2014/main" id="{7C2E1F6C-6BB1-AB0C-FB33-CE552D5B5D3A}"/>
+                <a16:creationId xmlns:a16="http://schemas.microsoft.com/office/drawing/2014/main" id="{FBF3D38A-36E3-2B31-AAFB-011F360BB05C}"/>
               </a:ext>
             </a:extLst>
           </p:cNvPr>
@@ -306,7 +306,7 @@
           <a:bodyPr/>
           <a:lstStyle/>
           <a:p>
-            <a:fld id="{D93F2098-C3BF-4CCA-A541-E79B2BE8DF2C}" type="slidenum">
+            <a:fld id="{CF7D59E0-9D5D-4E2C-AEBE-34487B9D98FD}" type="slidenum">
               <a:rPr lang="zh-CN" altLang="en-US" smtClean="0"/>
               <a:t>‹#›</a:t>
             </a:fld>
@@ -317,7 +317,7 @@
     </p:spTree>
     <p:extLst>
       <p:ext uri="{BB962C8B-B14F-4D97-AF65-F5344CB8AC3E}">
-        <p14:creationId xmlns:p14="http://schemas.microsoft.com/office/powerpoint/2010/main" val="3690305568"/>
+        <p14:creationId xmlns:p14="http://schemas.microsoft.com/office/powerpoint/2010/main" val="2616930785"/>
       </p:ext>
     </p:extLst>
   </p:cSld>
@@ -349,7 +349,7 @@
           <p:cNvPr id="2" name="标题 1">
             <a:extLst>
               <a:ext uri="{FF2B5EF4-FFF2-40B4-BE49-F238E27FC236}">
-                <a16:creationId xmlns:a16="http://schemas.microsoft.com/office/drawing/2014/main" id="{F4D7733B-FFB9-DBEB-D0AF-AFB140BC79BB}"/>
+                <a16:creationId xmlns:a16="http://schemas.microsoft.com/office/drawing/2014/main" id="{249600A2-306C-EEDE-B687-A7850595BDE6}"/>
               </a:ext>
             </a:extLst>
           </p:cNvPr>
@@ -377,7 +377,7 @@
           <p:cNvPr id="3" name="竖排文字占位符 2">
             <a:extLst>
               <a:ext uri="{FF2B5EF4-FFF2-40B4-BE49-F238E27FC236}">
-                <a16:creationId xmlns:a16="http://schemas.microsoft.com/office/drawing/2014/main" id="{6C5E8F64-17A8-D8EC-1622-998AC88540ED}"/>
+                <a16:creationId xmlns:a16="http://schemas.microsoft.com/office/drawing/2014/main" id="{BCEEF43D-CB11-7D76-3AED-D0DAFB9E97DF}"/>
               </a:ext>
             </a:extLst>
           </p:cNvPr>
@@ -434,7 +434,7 @@
           <p:cNvPr id="4" name="日期占位符 3">
             <a:extLst>
               <a:ext uri="{FF2B5EF4-FFF2-40B4-BE49-F238E27FC236}">
-                <a16:creationId xmlns:a16="http://schemas.microsoft.com/office/drawing/2014/main" id="{CF15155C-0D71-C590-8ECC-8C4DC41D9F66}"/>
+                <a16:creationId xmlns:a16="http://schemas.microsoft.com/office/drawing/2014/main" id="{A1009AC1-355C-8716-905D-DF3D95DF904C}"/>
               </a:ext>
             </a:extLst>
           </p:cNvPr>
@@ -450,7 +450,7 @@
           <a:bodyPr/>
           <a:lstStyle/>
           <a:p>
-            <a:fld id="{38CA757C-F0C0-4F23-94D8-533F71DD63A2}" type="datetimeFigureOut">
+            <a:fld id="{41DD7ACB-DAE6-4EF2-A6DE-C5B4F8E26130}" type="datetimeFigureOut">
               <a:rPr lang="zh-CN" altLang="en-US" smtClean="0"/>
               <a:t>2024/3/10</a:t>
             </a:fld>
@@ -463,7 +463,7 @@
           <p:cNvPr id="5" name="页脚占位符 4">
             <a:extLst>
               <a:ext uri="{FF2B5EF4-FFF2-40B4-BE49-F238E27FC236}">
-                <a16:creationId xmlns:a16="http://schemas.microsoft.com/office/drawing/2014/main" id="{1B42B2FA-FA00-2770-C1C5-83EC17D6D4CE}"/>
+                <a16:creationId xmlns:a16="http://schemas.microsoft.com/office/drawing/2014/main" id="{9B18CA68-35EF-E982-DCF0-0CFC62606E94}"/>
               </a:ext>
             </a:extLst>
           </p:cNvPr>
@@ -488,7 +488,7 @@
           <p:cNvPr id="6" name="灯片编号占位符 5">
             <a:extLst>
               <a:ext uri="{FF2B5EF4-FFF2-40B4-BE49-F238E27FC236}">
-                <a16:creationId xmlns:a16="http://schemas.microsoft.com/office/drawing/2014/main" id="{6E875A4E-9E46-D8FB-56D9-530070777315}"/>
+                <a16:creationId xmlns:a16="http://schemas.microsoft.com/office/drawing/2014/main" id="{BC1054C1-2AEE-854C-4D7D-FC14CDECB071}"/>
               </a:ext>
             </a:extLst>
           </p:cNvPr>
@@ -504,7 +504,7 @@
           <a:bodyPr/>
           <a:lstStyle/>
           <a:p>
-            <a:fld id="{D93F2098-C3BF-4CCA-A541-E79B2BE8DF2C}" type="slidenum">
+            <a:fld id="{CF7D59E0-9D5D-4E2C-AEBE-34487B9D98FD}" type="slidenum">
               <a:rPr lang="zh-CN" altLang="en-US" smtClean="0"/>
               <a:t>‹#›</a:t>
             </a:fld>
@@ -515,7 +515,7 @@
     </p:spTree>
     <p:extLst>
       <p:ext uri="{BB962C8B-B14F-4D97-AF65-F5344CB8AC3E}">
-        <p14:creationId xmlns:p14="http://schemas.microsoft.com/office/powerpoint/2010/main" val="2223356133"/>
+        <p14:creationId xmlns:p14="http://schemas.microsoft.com/office/powerpoint/2010/main" val="962834337"/>
       </p:ext>
     </p:extLst>
   </p:cSld>
@@ -547,7 +547,7 @@
           <p:cNvPr id="2" name="竖排标题 1">
             <a:extLst>
               <a:ext uri="{FF2B5EF4-FFF2-40B4-BE49-F238E27FC236}">
-                <a16:creationId xmlns:a16="http://schemas.microsoft.com/office/drawing/2014/main" id="{E01DB9A8-02D4-5090-819B-BDF5366E7BCE}"/>
+                <a16:creationId xmlns:a16="http://schemas.microsoft.com/office/drawing/2014/main" id="{56D251B7-B286-1472-66C2-9EBA3A245BA9}"/>
               </a:ext>
             </a:extLst>
           </p:cNvPr>
@@ -580,7 +580,7 @@
           <p:cNvPr id="3" name="竖排文字占位符 2">
             <a:extLst>
               <a:ext uri="{FF2B5EF4-FFF2-40B4-BE49-F238E27FC236}">
-                <a16:creationId xmlns:a16="http://schemas.microsoft.com/office/drawing/2014/main" id="{86A2D5B2-745D-97FC-1A96-092094613861}"/>
+                <a16:creationId xmlns:a16="http://schemas.microsoft.com/office/drawing/2014/main" id="{F0BF2176-4967-F716-45C7-82D4A182F7E8}"/>
               </a:ext>
             </a:extLst>
           </p:cNvPr>
@@ -642,7 +642,7 @@
           <p:cNvPr id="4" name="日期占位符 3">
             <a:extLst>
               <a:ext uri="{FF2B5EF4-FFF2-40B4-BE49-F238E27FC236}">
-                <a16:creationId xmlns:a16="http://schemas.microsoft.com/office/drawing/2014/main" id="{999A958E-6355-5E2A-7A13-27530D9A56DF}"/>
+                <a16:creationId xmlns:a16="http://schemas.microsoft.com/office/drawing/2014/main" id="{1CFFF3A2-7592-2458-BBC8-B540AA185846}"/>
               </a:ext>
             </a:extLst>
           </p:cNvPr>
@@ -658,7 +658,7 @@
           <a:bodyPr/>
           <a:lstStyle/>
           <a:p>
-            <a:fld id="{38CA757C-F0C0-4F23-94D8-533F71DD63A2}" type="datetimeFigureOut">
+            <a:fld id="{41DD7ACB-DAE6-4EF2-A6DE-C5B4F8E26130}" type="datetimeFigureOut">
               <a:rPr lang="zh-CN" altLang="en-US" smtClean="0"/>
               <a:t>2024/3/10</a:t>
             </a:fld>
@@ -671,7 +671,7 @@
           <p:cNvPr id="5" name="页脚占位符 4">
             <a:extLst>
               <a:ext uri="{FF2B5EF4-FFF2-40B4-BE49-F238E27FC236}">
-                <a16:creationId xmlns:a16="http://schemas.microsoft.com/office/drawing/2014/main" id="{8A5FE355-CF85-07F2-CD97-FDA66B3BDDF4}"/>
+                <a16:creationId xmlns:a16="http://schemas.microsoft.com/office/drawing/2014/main" id="{0DA72BCC-C64A-7A93-A577-830EB727A20F}"/>
               </a:ext>
             </a:extLst>
           </p:cNvPr>
@@ -696,7 +696,7 @@
           <p:cNvPr id="6" name="灯片编号占位符 5">
             <a:extLst>
               <a:ext uri="{FF2B5EF4-FFF2-40B4-BE49-F238E27FC236}">
-                <a16:creationId xmlns:a16="http://schemas.microsoft.com/office/drawing/2014/main" id="{A3096E7B-F2DF-9057-0EE0-914F509B914C}"/>
+                <a16:creationId xmlns:a16="http://schemas.microsoft.com/office/drawing/2014/main" id="{2B295C55-DF36-9544-ED75-608598D05223}"/>
               </a:ext>
             </a:extLst>
           </p:cNvPr>
@@ -712,7 +712,7 @@
           <a:bodyPr/>
           <a:lstStyle/>
           <a:p>
-            <a:fld id="{D93F2098-C3BF-4CCA-A541-E79B2BE8DF2C}" type="slidenum">
+            <a:fld id="{CF7D59E0-9D5D-4E2C-AEBE-34487B9D98FD}" type="slidenum">
               <a:rPr lang="zh-CN" altLang="en-US" smtClean="0"/>
               <a:t>‹#›</a:t>
             </a:fld>
@@ -723,7 +723,7 @@
     </p:spTree>
     <p:extLst>
       <p:ext uri="{BB962C8B-B14F-4D97-AF65-F5344CB8AC3E}">
-        <p14:creationId xmlns:p14="http://schemas.microsoft.com/office/powerpoint/2010/main" val="1369157828"/>
+        <p14:creationId xmlns:p14="http://schemas.microsoft.com/office/powerpoint/2010/main" val="3347790966"/>
       </p:ext>
     </p:extLst>
   </p:cSld>
@@ -755,7 +755,7 @@
           <p:cNvPr id="2" name="标题 1">
             <a:extLst>
               <a:ext uri="{FF2B5EF4-FFF2-40B4-BE49-F238E27FC236}">
-                <a16:creationId xmlns:a16="http://schemas.microsoft.com/office/drawing/2014/main" id="{A95E0E6D-00E4-0D10-A1E3-E5BD8AB79B0F}"/>
+                <a16:creationId xmlns:a16="http://schemas.microsoft.com/office/drawing/2014/main" id="{B49E0F3E-3E5E-6F99-B2F6-7D0DB4FC8B4E}"/>
               </a:ext>
             </a:extLst>
           </p:cNvPr>
@@ -783,7 +783,7 @@
           <p:cNvPr id="3" name="内容占位符 2">
             <a:extLst>
               <a:ext uri="{FF2B5EF4-FFF2-40B4-BE49-F238E27FC236}">
-                <a16:creationId xmlns:a16="http://schemas.microsoft.com/office/drawing/2014/main" id="{0C9F81A9-46E7-C067-5AC5-4E4D0600722E}"/>
+                <a16:creationId xmlns:a16="http://schemas.microsoft.com/office/drawing/2014/main" id="{2EACAA63-E8CB-8126-61EC-F22706BA015A}"/>
               </a:ext>
             </a:extLst>
           </p:cNvPr>
@@ -840,7 +840,7 @@
           <p:cNvPr id="4" name="日期占位符 3">
             <a:extLst>
               <a:ext uri="{FF2B5EF4-FFF2-40B4-BE49-F238E27FC236}">
-                <a16:creationId xmlns:a16="http://schemas.microsoft.com/office/drawing/2014/main" id="{40991C82-F402-5F3C-0457-7D4B99C7DE34}"/>
+                <a16:creationId xmlns:a16="http://schemas.microsoft.com/office/drawing/2014/main" id="{4B20A45D-A0CD-1C32-6BCD-F94C1015097D}"/>
               </a:ext>
             </a:extLst>
           </p:cNvPr>
@@ -856,7 +856,7 @@
           <a:bodyPr/>
           <a:lstStyle/>
           <a:p>
-            <a:fld id="{38CA757C-F0C0-4F23-94D8-533F71DD63A2}" type="datetimeFigureOut">
+            <a:fld id="{41DD7ACB-DAE6-4EF2-A6DE-C5B4F8E26130}" type="datetimeFigureOut">
               <a:rPr lang="zh-CN" altLang="en-US" smtClean="0"/>
               <a:t>2024/3/10</a:t>
             </a:fld>
@@ -869,7 +869,7 @@
           <p:cNvPr id="5" name="页脚占位符 4">
             <a:extLst>
               <a:ext uri="{FF2B5EF4-FFF2-40B4-BE49-F238E27FC236}">
-                <a16:creationId xmlns:a16="http://schemas.microsoft.com/office/drawing/2014/main" id="{4E0D85BB-EE00-54A8-F551-5F9A034D639F}"/>
+                <a16:creationId xmlns:a16="http://schemas.microsoft.com/office/drawing/2014/main" id="{9A263F35-AE63-BA67-63FF-C07584D6835C}"/>
               </a:ext>
             </a:extLst>
           </p:cNvPr>
@@ -894,7 +894,7 @@
           <p:cNvPr id="6" name="灯片编号占位符 5">
             <a:extLst>
               <a:ext uri="{FF2B5EF4-FFF2-40B4-BE49-F238E27FC236}">
-                <a16:creationId xmlns:a16="http://schemas.microsoft.com/office/drawing/2014/main" id="{5C6D88CC-EC8E-B514-5391-28C82DF2ACBB}"/>
+                <a16:creationId xmlns:a16="http://schemas.microsoft.com/office/drawing/2014/main" id="{F782724D-E9C1-78D0-976F-E7DA1451F979}"/>
               </a:ext>
             </a:extLst>
           </p:cNvPr>
@@ -910,7 +910,7 @@
           <a:bodyPr/>
           <a:lstStyle/>
           <a:p>
-            <a:fld id="{D93F2098-C3BF-4CCA-A541-E79B2BE8DF2C}" type="slidenum">
+            <a:fld id="{CF7D59E0-9D5D-4E2C-AEBE-34487B9D98FD}" type="slidenum">
               <a:rPr lang="zh-CN" altLang="en-US" smtClean="0"/>
               <a:t>‹#›</a:t>
             </a:fld>
@@ -921,7 +921,7 @@
     </p:spTree>
     <p:extLst>
       <p:ext uri="{BB962C8B-B14F-4D97-AF65-F5344CB8AC3E}">
-        <p14:creationId xmlns:p14="http://schemas.microsoft.com/office/powerpoint/2010/main" val="959004782"/>
+        <p14:creationId xmlns:p14="http://schemas.microsoft.com/office/powerpoint/2010/main" val="72193918"/>
       </p:ext>
     </p:extLst>
   </p:cSld>
@@ -953,7 +953,7 @@
           <p:cNvPr id="2" name="标题 1">
             <a:extLst>
               <a:ext uri="{FF2B5EF4-FFF2-40B4-BE49-F238E27FC236}">
-                <a16:creationId xmlns:a16="http://schemas.microsoft.com/office/drawing/2014/main" id="{1394664E-932C-A5DF-3711-91544FC8DD5C}"/>
+                <a16:creationId xmlns:a16="http://schemas.microsoft.com/office/drawing/2014/main" id="{B1A70EB0-9045-ECB4-590C-2E31E83E7E61}"/>
               </a:ext>
             </a:extLst>
           </p:cNvPr>
@@ -990,7 +990,7 @@
           <p:cNvPr id="3" name="文本占位符 2">
             <a:extLst>
               <a:ext uri="{FF2B5EF4-FFF2-40B4-BE49-F238E27FC236}">
-                <a16:creationId xmlns:a16="http://schemas.microsoft.com/office/drawing/2014/main" id="{93236CAE-E4E3-CB16-1EAB-097F29A0DB79}"/>
+                <a16:creationId xmlns:a16="http://schemas.microsoft.com/office/drawing/2014/main" id="{59D98757-1153-722E-F493-CC923BBD8EEF}"/>
               </a:ext>
             </a:extLst>
           </p:cNvPr>
@@ -1115,7 +1115,7 @@
           <p:cNvPr id="4" name="日期占位符 3">
             <a:extLst>
               <a:ext uri="{FF2B5EF4-FFF2-40B4-BE49-F238E27FC236}">
-                <a16:creationId xmlns:a16="http://schemas.microsoft.com/office/drawing/2014/main" id="{29020F5D-ACBC-3102-A6C6-D1CA90514AE5}"/>
+                <a16:creationId xmlns:a16="http://schemas.microsoft.com/office/drawing/2014/main" id="{ACA1D9CF-063B-80CD-D623-05EAE9B2BE38}"/>
               </a:ext>
             </a:extLst>
           </p:cNvPr>
@@ -1131,7 +1131,7 @@
           <a:bodyPr/>
           <a:lstStyle/>
           <a:p>
-            <a:fld id="{38CA757C-F0C0-4F23-94D8-533F71DD63A2}" type="datetimeFigureOut">
+            <a:fld id="{41DD7ACB-DAE6-4EF2-A6DE-C5B4F8E26130}" type="datetimeFigureOut">
               <a:rPr lang="zh-CN" altLang="en-US" smtClean="0"/>
               <a:t>2024/3/10</a:t>
             </a:fld>
@@ -1144,7 +1144,7 @@
           <p:cNvPr id="5" name="页脚占位符 4">
             <a:extLst>
               <a:ext uri="{FF2B5EF4-FFF2-40B4-BE49-F238E27FC236}">
-                <a16:creationId xmlns:a16="http://schemas.microsoft.com/office/drawing/2014/main" id="{0CD9BDF9-27AD-6BCB-0A2B-98C9E05CD714}"/>
+                <a16:creationId xmlns:a16="http://schemas.microsoft.com/office/drawing/2014/main" id="{C7BDFED8-862C-537F-76D8-4763082B3885}"/>
               </a:ext>
             </a:extLst>
           </p:cNvPr>
@@ -1169,7 +1169,7 @@
           <p:cNvPr id="6" name="灯片编号占位符 5">
             <a:extLst>
               <a:ext uri="{FF2B5EF4-FFF2-40B4-BE49-F238E27FC236}">
-                <a16:creationId xmlns:a16="http://schemas.microsoft.com/office/drawing/2014/main" id="{9DB5EFD6-9C5B-423F-0976-38F547AEFA05}"/>
+                <a16:creationId xmlns:a16="http://schemas.microsoft.com/office/drawing/2014/main" id="{A382B1FF-725E-36E1-1C5C-7B4823C7EF03}"/>
               </a:ext>
             </a:extLst>
           </p:cNvPr>
@@ -1185,7 +1185,7 @@
           <a:bodyPr/>
           <a:lstStyle/>
           <a:p>
-            <a:fld id="{D93F2098-C3BF-4CCA-A541-E79B2BE8DF2C}" type="slidenum">
+            <a:fld id="{CF7D59E0-9D5D-4E2C-AEBE-34487B9D98FD}" type="slidenum">
               <a:rPr lang="zh-CN" altLang="en-US" smtClean="0"/>
               <a:t>‹#›</a:t>
             </a:fld>
@@ -1196,7 +1196,7 @@
     </p:spTree>
     <p:extLst>
       <p:ext uri="{BB962C8B-B14F-4D97-AF65-F5344CB8AC3E}">
-        <p14:creationId xmlns:p14="http://schemas.microsoft.com/office/powerpoint/2010/main" val="92388090"/>
+        <p14:creationId xmlns:p14="http://schemas.microsoft.com/office/powerpoint/2010/main" val="2216017148"/>
       </p:ext>
     </p:extLst>
   </p:cSld>
@@ -1228,7 +1228,7 @@
           <p:cNvPr id="2" name="标题 1">
             <a:extLst>
               <a:ext uri="{FF2B5EF4-FFF2-40B4-BE49-F238E27FC236}">
-                <a16:creationId xmlns:a16="http://schemas.microsoft.com/office/drawing/2014/main" id="{261C77A2-3F31-B754-E7AB-33273ED1099D}"/>
+                <a16:creationId xmlns:a16="http://schemas.microsoft.com/office/drawing/2014/main" id="{D29E6259-343F-8D6C-EDB7-40ED206EEFD0}"/>
               </a:ext>
             </a:extLst>
           </p:cNvPr>
@@ -1256,7 +1256,7 @@
           <p:cNvPr id="3" name="内容占位符 2">
             <a:extLst>
               <a:ext uri="{FF2B5EF4-FFF2-40B4-BE49-F238E27FC236}">
-                <a16:creationId xmlns:a16="http://schemas.microsoft.com/office/drawing/2014/main" id="{119D9AE0-3810-ABA2-8D89-E0F66EB60A3C}"/>
+                <a16:creationId xmlns:a16="http://schemas.microsoft.com/office/drawing/2014/main" id="{50E053CC-A221-6E8D-0C05-763CAE2D2392}"/>
               </a:ext>
             </a:extLst>
           </p:cNvPr>
@@ -1318,7 +1318,7 @@
           <p:cNvPr id="4" name="内容占位符 3">
             <a:extLst>
               <a:ext uri="{FF2B5EF4-FFF2-40B4-BE49-F238E27FC236}">
-                <a16:creationId xmlns:a16="http://schemas.microsoft.com/office/drawing/2014/main" id="{9A025F55-3878-3177-E68C-74B1A592136A}"/>
+                <a16:creationId xmlns:a16="http://schemas.microsoft.com/office/drawing/2014/main" id="{AB43A354-FD68-8BF7-9858-D496A4CE673B}"/>
               </a:ext>
             </a:extLst>
           </p:cNvPr>
@@ -1380,7 +1380,7 @@
           <p:cNvPr id="5" name="日期占位符 4">
             <a:extLst>
               <a:ext uri="{FF2B5EF4-FFF2-40B4-BE49-F238E27FC236}">
-                <a16:creationId xmlns:a16="http://schemas.microsoft.com/office/drawing/2014/main" id="{0CB0F50B-0127-02D7-61E0-474C66F0A435}"/>
+                <a16:creationId xmlns:a16="http://schemas.microsoft.com/office/drawing/2014/main" id="{FF6B2A4D-01A8-845F-4D82-87DB9931A95B}"/>
               </a:ext>
             </a:extLst>
           </p:cNvPr>
@@ -1396,7 +1396,7 @@
           <a:bodyPr/>
           <a:lstStyle/>
           <a:p>
-            <a:fld id="{38CA757C-F0C0-4F23-94D8-533F71DD63A2}" type="datetimeFigureOut">
+            <a:fld id="{41DD7ACB-DAE6-4EF2-A6DE-C5B4F8E26130}" type="datetimeFigureOut">
               <a:rPr lang="zh-CN" altLang="en-US" smtClean="0"/>
               <a:t>2024/3/10</a:t>
             </a:fld>
@@ -1409,7 +1409,7 @@
           <p:cNvPr id="6" name="页脚占位符 5">
             <a:extLst>
               <a:ext uri="{FF2B5EF4-FFF2-40B4-BE49-F238E27FC236}">
-                <a16:creationId xmlns:a16="http://schemas.microsoft.com/office/drawing/2014/main" id="{7A230A9A-946C-1015-563A-94A5CE8ACB97}"/>
+                <a16:creationId xmlns:a16="http://schemas.microsoft.com/office/drawing/2014/main" id="{CC408FA7-D62A-2EDF-FF1C-784A5683EB83}"/>
               </a:ext>
             </a:extLst>
           </p:cNvPr>
@@ -1434,7 +1434,7 @@
           <p:cNvPr id="7" name="灯片编号占位符 6">
             <a:extLst>
               <a:ext uri="{FF2B5EF4-FFF2-40B4-BE49-F238E27FC236}">
-                <a16:creationId xmlns:a16="http://schemas.microsoft.com/office/drawing/2014/main" id="{E0D085BC-A5BC-5434-C81A-67F1A24AB25D}"/>
+                <a16:creationId xmlns:a16="http://schemas.microsoft.com/office/drawing/2014/main" id="{7826B53D-B040-49D5-C5FE-F009B39027B0}"/>
               </a:ext>
             </a:extLst>
           </p:cNvPr>
@@ -1450,7 +1450,7 @@
           <a:bodyPr/>
           <a:lstStyle/>
           <a:p>
-            <a:fld id="{D93F2098-C3BF-4CCA-A541-E79B2BE8DF2C}" type="slidenum">
+            <a:fld id="{CF7D59E0-9D5D-4E2C-AEBE-34487B9D98FD}" type="slidenum">
               <a:rPr lang="zh-CN" altLang="en-US" smtClean="0"/>
               <a:t>‹#›</a:t>
             </a:fld>
@@ -1461,7 +1461,7 @@
     </p:spTree>
     <p:extLst>
       <p:ext uri="{BB962C8B-B14F-4D97-AF65-F5344CB8AC3E}">
-        <p14:creationId xmlns:p14="http://schemas.microsoft.com/office/powerpoint/2010/main" val="3390313262"/>
+        <p14:creationId xmlns:p14="http://schemas.microsoft.com/office/powerpoint/2010/main" val="109121824"/>
       </p:ext>
     </p:extLst>
   </p:cSld>
@@ -1493,7 +1493,7 @@
           <p:cNvPr id="2" name="标题 1">
             <a:extLst>
               <a:ext uri="{FF2B5EF4-FFF2-40B4-BE49-F238E27FC236}">
-                <a16:creationId xmlns:a16="http://schemas.microsoft.com/office/drawing/2014/main" id="{931827B6-237C-1E0C-8483-2F5C695EF2C9}"/>
+                <a16:creationId xmlns:a16="http://schemas.microsoft.com/office/drawing/2014/main" id="{CE8A0339-9C83-3F2C-B7BC-95348995367F}"/>
               </a:ext>
             </a:extLst>
           </p:cNvPr>
@@ -1526,7 +1526,7 @@
           <p:cNvPr id="3" name="文本占位符 2">
             <a:extLst>
               <a:ext uri="{FF2B5EF4-FFF2-40B4-BE49-F238E27FC236}">
-                <a16:creationId xmlns:a16="http://schemas.microsoft.com/office/drawing/2014/main" id="{FA736207-AAA0-0C0D-D233-BB71E4120D06}"/>
+                <a16:creationId xmlns:a16="http://schemas.microsoft.com/office/drawing/2014/main" id="{DFAF8190-B17D-ABBB-EFE0-06B6A83D2CD1}"/>
               </a:ext>
             </a:extLst>
           </p:cNvPr>
@@ -1597,7 +1597,7 @@
           <p:cNvPr id="4" name="内容占位符 3">
             <a:extLst>
               <a:ext uri="{FF2B5EF4-FFF2-40B4-BE49-F238E27FC236}">
-                <a16:creationId xmlns:a16="http://schemas.microsoft.com/office/drawing/2014/main" id="{A59A85EF-F59F-9777-C4B4-163505CAE341}"/>
+                <a16:creationId xmlns:a16="http://schemas.microsoft.com/office/drawing/2014/main" id="{280E45A7-7A64-B235-0DA1-2346BE26F792}"/>
               </a:ext>
             </a:extLst>
           </p:cNvPr>
@@ -1659,7 +1659,7 @@
           <p:cNvPr id="5" name="文本占位符 4">
             <a:extLst>
               <a:ext uri="{FF2B5EF4-FFF2-40B4-BE49-F238E27FC236}">
-                <a16:creationId xmlns:a16="http://schemas.microsoft.com/office/drawing/2014/main" id="{FD2679C1-F6ED-8845-303C-E617248EABB6}"/>
+                <a16:creationId xmlns:a16="http://schemas.microsoft.com/office/drawing/2014/main" id="{27124B23-8D17-1F33-2D15-84DF2C5538A3}"/>
               </a:ext>
             </a:extLst>
           </p:cNvPr>
@@ -1730,7 +1730,7 @@
           <p:cNvPr id="6" name="内容占位符 5">
             <a:extLst>
               <a:ext uri="{FF2B5EF4-FFF2-40B4-BE49-F238E27FC236}">
-                <a16:creationId xmlns:a16="http://schemas.microsoft.com/office/drawing/2014/main" id="{EEAA2BD3-1C05-504C-88AD-A9BB671DB392}"/>
+                <a16:creationId xmlns:a16="http://schemas.microsoft.com/office/drawing/2014/main" id="{511365FE-56D2-7AF7-1A54-F60496396641}"/>
               </a:ext>
             </a:extLst>
           </p:cNvPr>
@@ -1792,7 +1792,7 @@
           <p:cNvPr id="7" name="日期占位符 6">
             <a:extLst>
               <a:ext uri="{FF2B5EF4-FFF2-40B4-BE49-F238E27FC236}">
-                <a16:creationId xmlns:a16="http://schemas.microsoft.com/office/drawing/2014/main" id="{EFF29FE6-5798-DF5D-41DC-CAC5B7DF3290}"/>
+                <a16:creationId xmlns:a16="http://schemas.microsoft.com/office/drawing/2014/main" id="{2E053416-6EEA-7C39-DA26-276110EA8CF4}"/>
               </a:ext>
             </a:extLst>
           </p:cNvPr>
@@ -1808,7 +1808,7 @@
           <a:bodyPr/>
           <a:lstStyle/>
           <a:p>
-            <a:fld id="{38CA757C-F0C0-4F23-94D8-533F71DD63A2}" type="datetimeFigureOut">
+            <a:fld id="{41DD7ACB-DAE6-4EF2-A6DE-C5B4F8E26130}" type="datetimeFigureOut">
               <a:rPr lang="zh-CN" altLang="en-US" smtClean="0"/>
               <a:t>2024/3/10</a:t>
             </a:fld>
@@ -1821,7 +1821,7 @@
           <p:cNvPr id="8" name="页脚占位符 7">
             <a:extLst>
               <a:ext uri="{FF2B5EF4-FFF2-40B4-BE49-F238E27FC236}">
-                <a16:creationId xmlns:a16="http://schemas.microsoft.com/office/drawing/2014/main" id="{F38CC677-268A-6E5B-1090-565E8FE38E78}"/>
+                <a16:creationId xmlns:a16="http://schemas.microsoft.com/office/drawing/2014/main" id="{D47EE3B4-14D5-D5D8-92B0-9B63EBE1A6F9}"/>
               </a:ext>
             </a:extLst>
           </p:cNvPr>
@@ -1846,7 +1846,7 @@
           <p:cNvPr id="9" name="灯片编号占位符 8">
             <a:extLst>
               <a:ext uri="{FF2B5EF4-FFF2-40B4-BE49-F238E27FC236}">
-                <a16:creationId xmlns:a16="http://schemas.microsoft.com/office/drawing/2014/main" id="{577A7133-46A4-536A-E886-90037C327D28}"/>
+                <a16:creationId xmlns:a16="http://schemas.microsoft.com/office/drawing/2014/main" id="{822A664E-AFC8-62CA-D32D-452ECA30925F}"/>
               </a:ext>
             </a:extLst>
           </p:cNvPr>
@@ -1862,7 +1862,7 @@
           <a:bodyPr/>
           <a:lstStyle/>
           <a:p>
-            <a:fld id="{D93F2098-C3BF-4CCA-A541-E79B2BE8DF2C}" type="slidenum">
+            <a:fld id="{CF7D59E0-9D5D-4E2C-AEBE-34487B9D98FD}" type="slidenum">
               <a:rPr lang="zh-CN" altLang="en-US" smtClean="0"/>
               <a:t>‹#›</a:t>
             </a:fld>
@@ -1873,7 +1873,7 @@
     </p:spTree>
     <p:extLst>
       <p:ext uri="{BB962C8B-B14F-4D97-AF65-F5344CB8AC3E}">
-        <p14:creationId xmlns:p14="http://schemas.microsoft.com/office/powerpoint/2010/main" val="1234177480"/>
+        <p14:creationId xmlns:p14="http://schemas.microsoft.com/office/powerpoint/2010/main" val="3295448972"/>
       </p:ext>
     </p:extLst>
   </p:cSld>
@@ -1905,7 +1905,7 @@
           <p:cNvPr id="2" name="标题 1">
             <a:extLst>
               <a:ext uri="{FF2B5EF4-FFF2-40B4-BE49-F238E27FC236}">
-                <a16:creationId xmlns:a16="http://schemas.microsoft.com/office/drawing/2014/main" id="{A7343035-37BE-7EC8-E074-90E84F86E244}"/>
+                <a16:creationId xmlns:a16="http://schemas.microsoft.com/office/drawing/2014/main" id="{F7DC3DF0-75B6-EC58-73A0-33B2418ACA92}"/>
               </a:ext>
             </a:extLst>
           </p:cNvPr>
@@ -1933,7 +1933,7 @@
           <p:cNvPr id="3" name="日期占位符 2">
             <a:extLst>
               <a:ext uri="{FF2B5EF4-FFF2-40B4-BE49-F238E27FC236}">
-                <a16:creationId xmlns:a16="http://schemas.microsoft.com/office/drawing/2014/main" id="{C06DDBEE-4393-4AF5-5911-ADD561629078}"/>
+                <a16:creationId xmlns:a16="http://schemas.microsoft.com/office/drawing/2014/main" id="{12949090-E162-B1FF-3A2A-E200448B7143}"/>
               </a:ext>
             </a:extLst>
           </p:cNvPr>
@@ -1949,7 +1949,7 @@
           <a:bodyPr/>
           <a:lstStyle/>
           <a:p>
-            <a:fld id="{38CA757C-F0C0-4F23-94D8-533F71DD63A2}" type="datetimeFigureOut">
+            <a:fld id="{41DD7ACB-DAE6-4EF2-A6DE-C5B4F8E26130}" type="datetimeFigureOut">
               <a:rPr lang="zh-CN" altLang="en-US" smtClean="0"/>
               <a:t>2024/3/10</a:t>
             </a:fld>
@@ -1962,7 +1962,7 @@
           <p:cNvPr id="4" name="页脚占位符 3">
             <a:extLst>
               <a:ext uri="{FF2B5EF4-FFF2-40B4-BE49-F238E27FC236}">
-                <a16:creationId xmlns:a16="http://schemas.microsoft.com/office/drawing/2014/main" id="{BD9E4871-2E8C-566E-F7BF-63DDEFD33565}"/>
+                <a16:creationId xmlns:a16="http://schemas.microsoft.com/office/drawing/2014/main" id="{AAB9B45F-D097-69EB-9BAB-D340C0CCE62D}"/>
               </a:ext>
             </a:extLst>
           </p:cNvPr>
@@ -1987,7 +1987,7 @@
           <p:cNvPr id="5" name="灯片编号占位符 4">
             <a:extLst>
               <a:ext uri="{FF2B5EF4-FFF2-40B4-BE49-F238E27FC236}">
-                <a16:creationId xmlns:a16="http://schemas.microsoft.com/office/drawing/2014/main" id="{7915AC65-705F-BF62-0BE2-81999BEE92E2}"/>
+                <a16:creationId xmlns:a16="http://schemas.microsoft.com/office/drawing/2014/main" id="{59EFDFDD-E078-DE8B-6925-B94D19C6AF75}"/>
               </a:ext>
             </a:extLst>
           </p:cNvPr>
@@ -2003,7 +2003,7 @@
           <a:bodyPr/>
           <a:lstStyle/>
           <a:p>
-            <a:fld id="{D93F2098-C3BF-4CCA-A541-E79B2BE8DF2C}" type="slidenum">
+            <a:fld id="{CF7D59E0-9D5D-4E2C-AEBE-34487B9D98FD}" type="slidenum">
               <a:rPr lang="zh-CN" altLang="en-US" smtClean="0"/>
               <a:t>‹#›</a:t>
             </a:fld>
@@ -2014,7 +2014,7 @@
     </p:spTree>
     <p:extLst>
       <p:ext uri="{BB962C8B-B14F-4D97-AF65-F5344CB8AC3E}">
-        <p14:creationId xmlns:p14="http://schemas.microsoft.com/office/powerpoint/2010/main" val="525504900"/>
+        <p14:creationId xmlns:p14="http://schemas.microsoft.com/office/powerpoint/2010/main" val="4179907876"/>
       </p:ext>
     </p:extLst>
   </p:cSld>
@@ -2046,7 +2046,7 @@
           <p:cNvPr id="2" name="日期占位符 1">
             <a:extLst>
               <a:ext uri="{FF2B5EF4-FFF2-40B4-BE49-F238E27FC236}">
-                <a16:creationId xmlns:a16="http://schemas.microsoft.com/office/drawing/2014/main" id="{2C059B18-3E65-F77F-4208-DD3A07DB8697}"/>
+                <a16:creationId xmlns:a16="http://schemas.microsoft.com/office/drawing/2014/main" id="{072ABDC5-3FF9-53FE-D5F1-1C2389A0BF5B}"/>
               </a:ext>
             </a:extLst>
           </p:cNvPr>
@@ -2062,7 +2062,7 @@
           <a:bodyPr/>
           <a:lstStyle/>
           <a:p>
-            <a:fld id="{38CA757C-F0C0-4F23-94D8-533F71DD63A2}" type="datetimeFigureOut">
+            <a:fld id="{41DD7ACB-DAE6-4EF2-A6DE-C5B4F8E26130}" type="datetimeFigureOut">
               <a:rPr lang="zh-CN" altLang="en-US" smtClean="0"/>
               <a:t>2024/3/10</a:t>
             </a:fld>
@@ -2075,7 +2075,7 @@
           <p:cNvPr id="3" name="页脚占位符 2">
             <a:extLst>
               <a:ext uri="{FF2B5EF4-FFF2-40B4-BE49-F238E27FC236}">
-                <a16:creationId xmlns:a16="http://schemas.microsoft.com/office/drawing/2014/main" id="{ED18782D-03AD-8CA4-50ED-7E47538F3205}"/>
+                <a16:creationId xmlns:a16="http://schemas.microsoft.com/office/drawing/2014/main" id="{4630B11B-D3E5-577E-4FA8-A4CA0AE8191F}"/>
               </a:ext>
             </a:extLst>
           </p:cNvPr>
@@ -2100,7 +2100,7 @@
           <p:cNvPr id="4" name="灯片编号占位符 3">
             <a:extLst>
               <a:ext uri="{FF2B5EF4-FFF2-40B4-BE49-F238E27FC236}">
-                <a16:creationId xmlns:a16="http://schemas.microsoft.com/office/drawing/2014/main" id="{1071CF68-038D-1728-DF76-5623E83BE348}"/>
+                <a16:creationId xmlns:a16="http://schemas.microsoft.com/office/drawing/2014/main" id="{7C1228F2-8F35-17F2-CB4E-46B6C04988FD}"/>
               </a:ext>
             </a:extLst>
           </p:cNvPr>
@@ -2116,7 +2116,7 @@
           <a:bodyPr/>
           <a:lstStyle/>
           <a:p>
-            <a:fld id="{D93F2098-C3BF-4CCA-A541-E79B2BE8DF2C}" type="slidenum">
+            <a:fld id="{CF7D59E0-9D5D-4E2C-AEBE-34487B9D98FD}" type="slidenum">
               <a:rPr lang="zh-CN" altLang="en-US" smtClean="0"/>
               <a:t>‹#›</a:t>
             </a:fld>
@@ -2127,7 +2127,7 @@
     </p:spTree>
     <p:extLst>
       <p:ext uri="{BB962C8B-B14F-4D97-AF65-F5344CB8AC3E}">
-        <p14:creationId xmlns:p14="http://schemas.microsoft.com/office/powerpoint/2010/main" val="401424052"/>
+        <p14:creationId xmlns:p14="http://schemas.microsoft.com/office/powerpoint/2010/main" val="2096964475"/>
       </p:ext>
     </p:extLst>
   </p:cSld>
@@ -2159,7 +2159,7 @@
           <p:cNvPr id="2" name="标题 1">
             <a:extLst>
               <a:ext uri="{FF2B5EF4-FFF2-40B4-BE49-F238E27FC236}">
-                <a16:creationId xmlns:a16="http://schemas.microsoft.com/office/drawing/2014/main" id="{4402B992-BD05-1C2F-8401-83A88AA1E8F8}"/>
+                <a16:creationId xmlns:a16="http://schemas.microsoft.com/office/drawing/2014/main" id="{29D487E5-9454-C300-9AD4-C461D7E8C7A2}"/>
               </a:ext>
             </a:extLst>
           </p:cNvPr>
@@ -2196,7 +2196,7 @@
           <p:cNvPr id="3" name="内容占位符 2">
             <a:extLst>
               <a:ext uri="{FF2B5EF4-FFF2-40B4-BE49-F238E27FC236}">
-                <a16:creationId xmlns:a16="http://schemas.microsoft.com/office/drawing/2014/main" id="{E6A9BC8B-1218-1C2A-9AD8-5C82DDFC0395}"/>
+                <a16:creationId xmlns:a16="http://schemas.microsoft.com/office/drawing/2014/main" id="{7EDCB08D-FF85-457E-7A23-220EAD8609DE}"/>
               </a:ext>
             </a:extLst>
           </p:cNvPr>
@@ -2286,7 +2286,7 @@
           <p:cNvPr id="4" name="文本占位符 3">
             <a:extLst>
               <a:ext uri="{FF2B5EF4-FFF2-40B4-BE49-F238E27FC236}">
-                <a16:creationId xmlns:a16="http://schemas.microsoft.com/office/drawing/2014/main" id="{41FD5B8F-34D7-6B6A-9501-744BC9AFA9A9}"/>
+                <a16:creationId xmlns:a16="http://schemas.microsoft.com/office/drawing/2014/main" id="{474A2E2E-92F0-9CE9-9026-A59C59029182}"/>
               </a:ext>
             </a:extLst>
           </p:cNvPr>
@@ -2357,7 +2357,7 @@
           <p:cNvPr id="5" name="日期占位符 4">
             <a:extLst>
               <a:ext uri="{FF2B5EF4-FFF2-40B4-BE49-F238E27FC236}">
-                <a16:creationId xmlns:a16="http://schemas.microsoft.com/office/drawing/2014/main" id="{2A1FF432-4F9E-1E3F-9700-8B2E2BF61B71}"/>
+                <a16:creationId xmlns:a16="http://schemas.microsoft.com/office/drawing/2014/main" id="{4127CD73-B804-168E-A371-2C1415EEBE9E}"/>
               </a:ext>
             </a:extLst>
           </p:cNvPr>
@@ -2373,7 +2373,7 @@
           <a:bodyPr/>
           <a:lstStyle/>
           <a:p>
-            <a:fld id="{38CA757C-F0C0-4F23-94D8-533F71DD63A2}" type="datetimeFigureOut">
+            <a:fld id="{41DD7ACB-DAE6-4EF2-A6DE-C5B4F8E26130}" type="datetimeFigureOut">
               <a:rPr lang="zh-CN" altLang="en-US" smtClean="0"/>
               <a:t>2024/3/10</a:t>
             </a:fld>
@@ -2386,7 +2386,7 @@
           <p:cNvPr id="6" name="页脚占位符 5">
             <a:extLst>
               <a:ext uri="{FF2B5EF4-FFF2-40B4-BE49-F238E27FC236}">
-                <a16:creationId xmlns:a16="http://schemas.microsoft.com/office/drawing/2014/main" id="{4342D564-C19A-8AB7-4AF0-C80B1F3CAB0A}"/>
+                <a16:creationId xmlns:a16="http://schemas.microsoft.com/office/drawing/2014/main" id="{6EC81AA6-8ABD-0A52-22D5-6B3421485255}"/>
               </a:ext>
             </a:extLst>
           </p:cNvPr>
@@ -2411,7 +2411,7 @@
           <p:cNvPr id="7" name="灯片编号占位符 6">
             <a:extLst>
               <a:ext uri="{FF2B5EF4-FFF2-40B4-BE49-F238E27FC236}">
-                <a16:creationId xmlns:a16="http://schemas.microsoft.com/office/drawing/2014/main" id="{1C35195A-48D3-042C-FF4B-30B958F81690}"/>
+                <a16:creationId xmlns:a16="http://schemas.microsoft.com/office/drawing/2014/main" id="{02F32774-01FD-ED2C-863E-63E6E3777914}"/>
               </a:ext>
             </a:extLst>
           </p:cNvPr>
@@ -2427,7 +2427,7 @@
           <a:bodyPr/>
           <a:lstStyle/>
           <a:p>
-            <a:fld id="{D93F2098-C3BF-4CCA-A541-E79B2BE8DF2C}" type="slidenum">
+            <a:fld id="{CF7D59E0-9D5D-4E2C-AEBE-34487B9D98FD}" type="slidenum">
               <a:rPr lang="zh-CN" altLang="en-US" smtClean="0"/>
               <a:t>‹#›</a:t>
             </a:fld>
@@ -2438,7 +2438,7 @@
     </p:spTree>
     <p:extLst>
       <p:ext uri="{BB962C8B-B14F-4D97-AF65-F5344CB8AC3E}">
-        <p14:creationId xmlns:p14="http://schemas.microsoft.com/office/powerpoint/2010/main" val="2715736310"/>
+        <p14:creationId xmlns:p14="http://schemas.microsoft.com/office/powerpoint/2010/main" val="2996753142"/>
       </p:ext>
     </p:extLst>
   </p:cSld>
@@ -2470,7 +2470,7 @@
           <p:cNvPr id="2" name="标题 1">
             <a:extLst>
               <a:ext uri="{FF2B5EF4-FFF2-40B4-BE49-F238E27FC236}">
-                <a16:creationId xmlns:a16="http://schemas.microsoft.com/office/drawing/2014/main" id="{3192BE52-D429-6B62-0D31-8D2D536B5F96}"/>
+                <a16:creationId xmlns:a16="http://schemas.microsoft.com/office/drawing/2014/main" id="{9833E9D5-777D-803F-8F78-7F4FF2BD7CEE}"/>
               </a:ext>
             </a:extLst>
           </p:cNvPr>
@@ -2507,7 +2507,7 @@
           <p:cNvPr id="3" name="图片占位符 2">
             <a:extLst>
               <a:ext uri="{FF2B5EF4-FFF2-40B4-BE49-F238E27FC236}">
-                <a16:creationId xmlns:a16="http://schemas.microsoft.com/office/drawing/2014/main" id="{E213C673-649A-8438-C00D-BEBC00DBF71A}"/>
+                <a16:creationId xmlns:a16="http://schemas.microsoft.com/office/drawing/2014/main" id="{118B54FF-8161-5B34-5995-E7657B96B561}"/>
               </a:ext>
             </a:extLst>
           </p:cNvPr>
@@ -2574,7 +2574,7 @@
           <p:cNvPr id="4" name="文本占位符 3">
             <a:extLst>
               <a:ext uri="{FF2B5EF4-FFF2-40B4-BE49-F238E27FC236}">
-                <a16:creationId xmlns:a16="http://schemas.microsoft.com/office/drawing/2014/main" id="{50650223-BF62-E4F3-4B62-4CD155281654}"/>
+                <a16:creationId xmlns:a16="http://schemas.microsoft.com/office/drawing/2014/main" id="{1833A3C5-27D4-A6C8-2CF1-57B8D58D3646}"/>
               </a:ext>
             </a:extLst>
           </p:cNvPr>
@@ -2645,7 +2645,7 @@
           <p:cNvPr id="5" name="日期占位符 4">
             <a:extLst>
               <a:ext uri="{FF2B5EF4-FFF2-40B4-BE49-F238E27FC236}">
-                <a16:creationId xmlns:a16="http://schemas.microsoft.com/office/drawing/2014/main" id="{65370F77-B689-B3ED-A2B9-60A3B2CEC29D}"/>
+                <a16:creationId xmlns:a16="http://schemas.microsoft.com/office/drawing/2014/main" id="{1062BAB4-6EA0-740A-8377-8DB94CE78CAA}"/>
               </a:ext>
             </a:extLst>
           </p:cNvPr>
@@ -2661,7 +2661,7 @@
           <a:bodyPr/>
           <a:lstStyle/>
           <a:p>
-            <a:fld id="{38CA757C-F0C0-4F23-94D8-533F71DD63A2}" type="datetimeFigureOut">
+            <a:fld id="{41DD7ACB-DAE6-4EF2-A6DE-C5B4F8E26130}" type="datetimeFigureOut">
               <a:rPr lang="zh-CN" altLang="en-US" smtClean="0"/>
               <a:t>2024/3/10</a:t>
             </a:fld>
@@ -2674,7 +2674,7 @@
           <p:cNvPr id="6" name="页脚占位符 5">
             <a:extLst>
               <a:ext uri="{FF2B5EF4-FFF2-40B4-BE49-F238E27FC236}">
-                <a16:creationId xmlns:a16="http://schemas.microsoft.com/office/drawing/2014/main" id="{5C3EB597-D21D-9812-A2A0-2B921057475C}"/>
+                <a16:creationId xmlns:a16="http://schemas.microsoft.com/office/drawing/2014/main" id="{132651C8-B7E1-8D5C-9EE9-F60202049335}"/>
               </a:ext>
             </a:extLst>
           </p:cNvPr>
@@ -2699,7 +2699,7 @@
           <p:cNvPr id="7" name="灯片编号占位符 6">
             <a:extLst>
               <a:ext uri="{FF2B5EF4-FFF2-40B4-BE49-F238E27FC236}">
-                <a16:creationId xmlns:a16="http://schemas.microsoft.com/office/drawing/2014/main" id="{A1041B52-40C1-EEBD-AE4E-CC9FF5FBE258}"/>
+                <a16:creationId xmlns:a16="http://schemas.microsoft.com/office/drawing/2014/main" id="{88A3FBE9-6986-0CC5-05CD-4123902D3B0D}"/>
               </a:ext>
             </a:extLst>
           </p:cNvPr>
@@ -2715,7 +2715,7 @@
           <a:bodyPr/>
           <a:lstStyle/>
           <a:p>
-            <a:fld id="{D93F2098-C3BF-4CCA-A541-E79B2BE8DF2C}" type="slidenum">
+            <a:fld id="{CF7D59E0-9D5D-4E2C-AEBE-34487B9D98FD}" type="slidenum">
               <a:rPr lang="zh-CN" altLang="en-US" smtClean="0"/>
               <a:t>‹#›</a:t>
             </a:fld>
@@ -2726,7 +2726,7 @@
     </p:spTree>
     <p:extLst>
       <p:ext uri="{BB962C8B-B14F-4D97-AF65-F5344CB8AC3E}">
-        <p14:creationId xmlns:p14="http://schemas.microsoft.com/office/powerpoint/2010/main" val="3571804163"/>
+        <p14:creationId xmlns:p14="http://schemas.microsoft.com/office/powerpoint/2010/main" val="2305656564"/>
       </p:ext>
     </p:extLst>
   </p:cSld>
@@ -2763,7 +2763,7 @@
           <p:cNvPr id="2" name="标题占位符 1">
             <a:extLst>
               <a:ext uri="{FF2B5EF4-FFF2-40B4-BE49-F238E27FC236}">
-                <a16:creationId xmlns:a16="http://schemas.microsoft.com/office/drawing/2014/main" id="{E1BF03DC-9799-2715-E215-68605839EF45}"/>
+                <a16:creationId xmlns:a16="http://schemas.microsoft.com/office/drawing/2014/main" id="{731C2D6A-14A7-FC02-A3C9-4D2692239820}"/>
               </a:ext>
             </a:extLst>
           </p:cNvPr>
@@ -2801,7 +2801,7 @@
           <p:cNvPr id="3" name="文本占位符 2">
             <a:extLst>
               <a:ext uri="{FF2B5EF4-FFF2-40B4-BE49-F238E27FC236}">
-                <a16:creationId xmlns:a16="http://schemas.microsoft.com/office/drawing/2014/main" id="{EE9481EA-EC5A-6D7F-7478-958BF0914CE2}"/>
+                <a16:creationId xmlns:a16="http://schemas.microsoft.com/office/drawing/2014/main" id="{9E3E4562-ED2F-3EBD-5C47-1A4E5E275F2D}"/>
               </a:ext>
             </a:extLst>
           </p:cNvPr>
@@ -2868,7 +2868,7 @@
           <p:cNvPr id="4" name="日期占位符 3">
             <a:extLst>
               <a:ext uri="{FF2B5EF4-FFF2-40B4-BE49-F238E27FC236}">
-                <a16:creationId xmlns:a16="http://schemas.microsoft.com/office/drawing/2014/main" id="{F60D366B-3AAE-B576-0CA6-A12F7F367B31}"/>
+                <a16:creationId xmlns:a16="http://schemas.microsoft.com/office/drawing/2014/main" id="{D55FDDD2-F990-2740-A7C2-00F6FEF2DF9E}"/>
               </a:ext>
             </a:extLst>
           </p:cNvPr>
@@ -2902,7 +2902,7 @@
             </a:lvl1pPr>
           </a:lstStyle>
           <a:p>
-            <a:fld id="{38CA757C-F0C0-4F23-94D8-533F71DD63A2}" type="datetimeFigureOut">
+            <a:fld id="{41DD7ACB-DAE6-4EF2-A6DE-C5B4F8E26130}" type="datetimeFigureOut">
               <a:rPr lang="zh-CN" altLang="en-US" smtClean="0"/>
               <a:t>2024/3/10</a:t>
             </a:fld>
@@ -2915,7 +2915,7 @@
           <p:cNvPr id="5" name="页脚占位符 4">
             <a:extLst>
               <a:ext uri="{FF2B5EF4-FFF2-40B4-BE49-F238E27FC236}">
-                <a16:creationId xmlns:a16="http://schemas.microsoft.com/office/drawing/2014/main" id="{ADC5F5A5-2FEA-F074-15F5-7F677FA19129}"/>
+                <a16:creationId xmlns:a16="http://schemas.microsoft.com/office/drawing/2014/main" id="{051B1E94-CDFB-7557-4463-7D1D73D5D359}"/>
               </a:ext>
             </a:extLst>
           </p:cNvPr>
@@ -2958,7 +2958,7 @@
           <p:cNvPr id="6" name="灯片编号占位符 5">
             <a:extLst>
               <a:ext uri="{FF2B5EF4-FFF2-40B4-BE49-F238E27FC236}">
-                <a16:creationId xmlns:a16="http://schemas.microsoft.com/office/drawing/2014/main" id="{F64FEDF9-23E3-C41F-28F4-BDB2A74C99FF}"/>
+                <a16:creationId xmlns:a16="http://schemas.microsoft.com/office/drawing/2014/main" id="{BC60191C-A0AA-6763-7FFC-D00238E4F554}"/>
               </a:ext>
             </a:extLst>
           </p:cNvPr>
@@ -2992,7 +2992,7 @@
             </a:lvl1pPr>
           </a:lstStyle>
           <a:p>
-            <a:fld id="{D93F2098-C3BF-4CCA-A541-E79B2BE8DF2C}" type="slidenum">
+            <a:fld id="{CF7D59E0-9D5D-4E2C-AEBE-34487B9D98FD}" type="slidenum">
               <a:rPr lang="zh-CN" altLang="en-US" smtClean="0"/>
               <a:t>‹#›</a:t>
             </a:fld>
@@ -3003,7 +3003,7 @@
     </p:spTree>
     <p:extLst>
       <p:ext uri="{BB962C8B-B14F-4D97-AF65-F5344CB8AC3E}">
-        <p14:creationId xmlns:p14="http://schemas.microsoft.com/office/powerpoint/2010/main" val="4247166719"/>
+        <p14:creationId xmlns:p14="http://schemas.microsoft.com/office/powerpoint/2010/main" val="2266711335"/>
       </p:ext>
     </p:extLst>
   </p:cSld>
